--- a/Documents/Life Expectancy Analysis.pptx
+++ b/Documents/Life Expectancy Analysis.pptx
@@ -4275,7 +4275,25 @@
           <a:bodyPr/>
           <a:lstStyle/>
           <a:p>
+            <a:r>
+              <a:rPr lang="en-US" dirty="0">
+                <a:hlinkClick r:id="rId2"/>
+              </a:rPr>
+              <a:t>https://github.com/vinurao</a:t>
+            </a:r>
+            <a:r>
+              <a:rPr lang="en-US">
+                <a:hlinkClick r:id="rId2"/>
+              </a:rPr>
+              <a:t>/WHO-Life-Expectancy-Data-Visualizer</a:t>
+            </a:r>
             <a:endParaRPr lang="en-US"/>
+          </a:p>
+          <a:p>
+            <a:pPr marL="0" indent="0">
+              <a:buNone/>
+            </a:pPr>
+            <a:endParaRPr lang="en-US" dirty="0"/>
           </a:p>
         </p:txBody>
       </p:sp>
